--- a/10|2-6/2023-10-3/kanji-writing.pptx
+++ b/10|2-6/2023-10-3/kanji-writing.pptx
@@ -1766,6 +1766,42 @@
         </p:nvSpPr>
         <p:spPr>
           <a:xfrm>
+            <a:off x="0" y="548640"/>
+            <a:ext cx="9144000" cy="1828800"/>
+          </a:xfrm>
+          <a:prstGeom prst="rect">
+            <a:avLst/>
+          </a:prstGeom>
+          <a:noFill/>
+          <a:ln/>
+        </p:spPr>
+        <p:txBody>
+          <a:bodyPr wrap="square" rtlCol="0" anchor="ctr"/>
+          <a:lstStyle/>
+          <a:p>
+            <a:pPr algn="ctr" indent="0" marL="0">
+              <a:buNone/>
+            </a:pPr>
+            <a:r>
+              <a:rPr lang="en-US" sz="4800" dirty="0">
+                <a:solidFill>
+                  <a:srgbClr val="000000"/>
+                </a:solidFill>
+              </a:rPr>
+              <a:t>観点</a:t>
+            </a:r>
+            <a:endParaRPr lang="en-US" sz="4800" dirty="0"/>
+          </a:p>
+        </p:txBody>
+      </p:sp>
+      <p:sp>
+        <p:nvSpPr>
+          <p:cNvPr id="3" name="Text 1"/>
+          <p:cNvSpPr/>
+          <p:nvPr/>
+        </p:nvSpPr>
+        <p:spPr>
+          <a:xfrm>
             <a:off x="0" y="914400"/>
             <a:ext cx="9144000" cy="1828800"/>
           </a:xfrm>
@@ -1782,35 +1818,33 @@
             <a:pPr algn="ctr" indent="0" marL="0">
               <a:buNone/>
             </a:pPr>
-            <a:r>
-              <a:rPr lang="en-US" sz="4800" dirty="0">
-                <a:solidFill>
-                  <a:srgbClr val="000000"/>
-                </a:solidFill>
-              </a:rPr>
-              <a:t>観点</a:t>
-            </a:r>
-            <a:endParaRPr lang="en-US" sz="4800" dirty="0"/>
-          </a:p>
-          <a:p>
-            <a:pPr algn="ctr" indent="0" marL="0">
-              <a:buNone/>
-            </a:pPr>
-            <a:r>
-              <a:rPr lang="en-US" sz="4800" dirty="0">
-                <a:solidFill>
-                  <a:srgbClr val="000000"/>
+            <a:endParaRPr lang="en-US" sz="3600" dirty="0"/>
+          </a:p>
+          <a:p>
+            <a:pPr algn="ctr" indent="0" marL="0">
+              <a:buNone/>
+            </a:pPr>
+            <a:endParaRPr lang="en-US" sz="3600" dirty="0"/>
+          </a:p>
+          <a:p>
+            <a:pPr algn="ctr" indent="0" marL="0">
+              <a:buNone/>
+            </a:pPr>
+            <a:r>
+              <a:rPr lang="en-US" sz="3600" dirty="0">
+                <a:solidFill>
+                  <a:srgbClr val="404040"/>
                 </a:solidFill>
               </a:rPr>
               <a:t>かんてん</a:t>
             </a:r>
-            <a:endParaRPr lang="en-US" sz="4800" dirty="0"/>
-          </a:p>
-        </p:txBody>
-      </p:sp>
-      <p:sp>
-        <p:nvSpPr>
-          <p:cNvPr id="3" name="Text 1"/>
+            <a:endParaRPr lang="en-US" sz="3600" dirty="0"/>
+          </a:p>
+        </p:txBody>
+      </p:sp>
+      <p:sp>
+        <p:nvSpPr>
+          <p:cNvPr id="4" name="Text 2"/>
           <p:cNvSpPr/>
           <p:nvPr/>
         </p:nvSpPr>
@@ -1835,7 +1869,7 @@
             <a:r>
               <a:rPr lang="en-US" sz="3600" dirty="0">
                 <a:solidFill>
-                  <a:srgbClr val="000000"/>
+                  <a:srgbClr val="808080"/>
                 </a:solidFill>
               </a:rPr>
               <a:t>point of view...</a:t>
@@ -1846,32 +1880,32 @@
       </p:sp>
       <p:sp>
         <p:nvSpPr>
-          <p:cNvPr id="4" name="Text 2"/>
-          <p:cNvSpPr/>
-          <p:nvPr/>
-        </p:nvSpPr>
-        <p:spPr>
-          <a:xfrm>
-            <a:off x="0" y="4572000"/>
-            <a:ext cx="7315200" cy="1828800"/>
-          </a:xfrm>
-          <a:prstGeom prst="rect">
-            <a:avLst/>
-          </a:prstGeom>
-          <a:noFill/>
-          <a:ln/>
-        </p:spPr>
-        <p:txBody>
-          <a:bodyPr wrap="square" rtlCol="0" anchor="ctr"/>
-          <a:lstStyle/>
-          <a:p>
-            <a:pPr algn="l" indent="0" marL="0">
+          <p:cNvPr id="5" name="Text 3"/>
+          <p:cNvSpPr/>
+          <p:nvPr/>
+        </p:nvSpPr>
+        <p:spPr>
+          <a:xfrm>
+            <a:off x="0" y="3657600"/>
+            <a:ext cx="8686800" cy="1828800"/>
+          </a:xfrm>
+          <a:prstGeom prst="rect">
+            <a:avLst/>
+          </a:prstGeom>
+          <a:noFill/>
+          <a:ln/>
+        </p:spPr>
+        <p:txBody>
+          <a:bodyPr wrap="square" rtlCol="0" anchor="ctr"/>
+          <a:lstStyle/>
+          <a:p>
+            <a:pPr algn="r" indent="0" marL="0">
               <a:buNone/>
             </a:pPr>
             <a:r>
               <a:rPr lang="en-US" sz="2400" dirty="0">
                 <a:solidFill>
-                  <a:srgbClr val="000000"/>
+                  <a:srgbClr val="808080"/>
                 </a:solidFill>
               </a:rPr>
               <a:t>61-62</a:t>
@@ -1913,6 +1947,42 @@
         </p:nvSpPr>
         <p:spPr>
           <a:xfrm>
+            <a:off x="0" y="548640"/>
+            <a:ext cx="9144000" cy="1828800"/>
+          </a:xfrm>
+          <a:prstGeom prst="rect">
+            <a:avLst/>
+          </a:prstGeom>
+          <a:noFill/>
+          <a:ln/>
+        </p:spPr>
+        <p:txBody>
+          <a:bodyPr wrap="square" rtlCol="0" anchor="ctr"/>
+          <a:lstStyle/>
+          <a:p>
+            <a:pPr algn="ctr" indent="0" marL="0">
+              <a:buNone/>
+            </a:pPr>
+            <a:r>
+              <a:rPr lang="en-US" sz="4800" dirty="0">
+                <a:solidFill>
+                  <a:srgbClr val="000000"/>
+                </a:solidFill>
+              </a:rPr>
+              <a:t>公平</a:t>
+            </a:r>
+            <a:endParaRPr lang="en-US" sz="4800" dirty="0"/>
+          </a:p>
+        </p:txBody>
+      </p:sp>
+      <p:sp>
+        <p:nvSpPr>
+          <p:cNvPr id="3" name="Text 1"/>
+          <p:cNvSpPr/>
+          <p:nvPr/>
+        </p:nvSpPr>
+        <p:spPr>
+          <a:xfrm>
             <a:off x="0" y="914400"/>
             <a:ext cx="9144000" cy="1828800"/>
           </a:xfrm>
@@ -1929,35 +1999,33 @@
             <a:pPr algn="ctr" indent="0" marL="0">
               <a:buNone/>
             </a:pPr>
-            <a:r>
-              <a:rPr lang="en-US" sz="4800" dirty="0">
-                <a:solidFill>
-                  <a:srgbClr val="000000"/>
-                </a:solidFill>
-              </a:rPr>
-              <a:t>公平</a:t>
-            </a:r>
-            <a:endParaRPr lang="en-US" sz="4800" dirty="0"/>
-          </a:p>
-          <a:p>
-            <a:pPr algn="ctr" indent="0" marL="0">
-              <a:buNone/>
-            </a:pPr>
-            <a:r>
-              <a:rPr lang="en-US" sz="4800" dirty="0">
-                <a:solidFill>
-                  <a:srgbClr val="000000"/>
+            <a:endParaRPr lang="en-US" sz="3600" dirty="0"/>
+          </a:p>
+          <a:p>
+            <a:pPr algn="ctr" indent="0" marL="0">
+              <a:buNone/>
+            </a:pPr>
+            <a:endParaRPr lang="en-US" sz="3600" dirty="0"/>
+          </a:p>
+          <a:p>
+            <a:pPr algn="ctr" indent="0" marL="0">
+              <a:buNone/>
+            </a:pPr>
+            <a:r>
+              <a:rPr lang="en-US" sz="3600" dirty="0">
+                <a:solidFill>
+                  <a:srgbClr val="404040"/>
                 </a:solidFill>
               </a:rPr>
               <a:t>こうへい</a:t>
             </a:r>
-            <a:endParaRPr lang="en-US" sz="4800" dirty="0"/>
-          </a:p>
-        </p:txBody>
-      </p:sp>
-      <p:sp>
-        <p:nvSpPr>
-          <p:cNvPr id="3" name="Text 1"/>
+            <a:endParaRPr lang="en-US" sz="3600" dirty="0"/>
+          </a:p>
+        </p:txBody>
+      </p:sp>
+      <p:sp>
+        <p:nvSpPr>
+          <p:cNvPr id="4" name="Text 2"/>
           <p:cNvSpPr/>
           <p:nvPr/>
         </p:nvSpPr>
@@ -1982,7 +2050,7 @@
             <a:r>
               <a:rPr lang="en-US" sz="3600" dirty="0">
                 <a:solidFill>
-                  <a:srgbClr val="000000"/>
+                  <a:srgbClr val="808080"/>
                 </a:solidFill>
               </a:rPr>
               <a:t>fairness, impartiality, justice, objectivity...</a:t>
@@ -1993,32 +2061,32 @@
       </p:sp>
       <p:sp>
         <p:nvSpPr>
-          <p:cNvPr id="4" name="Text 2"/>
-          <p:cNvSpPr/>
-          <p:nvPr/>
-        </p:nvSpPr>
-        <p:spPr>
-          <a:xfrm>
-            <a:off x="0" y="4572000"/>
-            <a:ext cx="7315200" cy="1828800"/>
-          </a:xfrm>
-          <a:prstGeom prst="rect">
-            <a:avLst/>
-          </a:prstGeom>
-          <a:noFill/>
-          <a:ln/>
-        </p:spPr>
-        <p:txBody>
-          <a:bodyPr wrap="square" rtlCol="0" anchor="ctr"/>
-          <a:lstStyle/>
-          <a:p>
-            <a:pPr algn="l" indent="0" marL="0">
+          <p:cNvPr id="5" name="Text 3"/>
+          <p:cNvSpPr/>
+          <p:nvPr/>
+        </p:nvSpPr>
+        <p:spPr>
+          <a:xfrm>
+            <a:off x="0" y="3657600"/>
+            <a:ext cx="8686800" cy="1828800"/>
+          </a:xfrm>
+          <a:prstGeom prst="rect">
+            <a:avLst/>
+          </a:prstGeom>
+          <a:noFill/>
+          <a:ln/>
+        </p:spPr>
+        <p:txBody>
+          <a:bodyPr wrap="square" rtlCol="0" anchor="ctr"/>
+          <a:lstStyle/>
+          <a:p>
+            <a:pPr algn="r" indent="0" marL="0">
               <a:buNone/>
             </a:pPr>
             <a:r>
               <a:rPr lang="en-US" sz="2400" dirty="0">
                 <a:solidFill>
-                  <a:srgbClr val="000000"/>
+                  <a:srgbClr val="808080"/>
                 </a:solidFill>
               </a:rPr>
               <a:t>61-62</a:t>
@@ -2060,6 +2128,42 @@
         </p:nvSpPr>
         <p:spPr>
           <a:xfrm>
+            <a:off x="0" y="548640"/>
+            <a:ext cx="9144000" cy="1828800"/>
+          </a:xfrm>
+          <a:prstGeom prst="rect">
+            <a:avLst/>
+          </a:prstGeom>
+          <a:noFill/>
+          <a:ln/>
+        </p:spPr>
+        <p:txBody>
+          <a:bodyPr wrap="square" rtlCol="0" anchor="ctr"/>
+          <a:lstStyle/>
+          <a:p>
+            <a:pPr algn="ctr" indent="0" marL="0">
+              <a:buNone/>
+            </a:pPr>
+            <a:r>
+              <a:rPr lang="en-US" sz="4800" dirty="0">
+                <a:solidFill>
+                  <a:srgbClr val="000000"/>
+                </a:solidFill>
+              </a:rPr>
+              <a:t>観</a:t>
+            </a:r>
+            <a:endParaRPr lang="en-US" sz="4800" dirty="0"/>
+          </a:p>
+        </p:txBody>
+      </p:sp>
+      <p:sp>
+        <p:nvSpPr>
+          <p:cNvPr id="3" name="Text 1"/>
+          <p:cNvSpPr/>
+          <p:nvPr/>
+        </p:nvSpPr>
+        <p:spPr>
+          <a:xfrm>
             <a:off x="0" y="914400"/>
             <a:ext cx="9144000" cy="1828800"/>
           </a:xfrm>
@@ -2076,35 +2180,33 @@
             <a:pPr algn="ctr" indent="0" marL="0">
               <a:buNone/>
             </a:pPr>
-            <a:r>
-              <a:rPr lang="en-US" sz="4800" dirty="0">
-                <a:solidFill>
-                  <a:srgbClr val="000000"/>
-                </a:solidFill>
-              </a:rPr>
-              <a:t>観</a:t>
-            </a:r>
-            <a:endParaRPr lang="en-US" sz="4800" dirty="0"/>
-          </a:p>
-          <a:p>
-            <a:pPr algn="ctr" indent="0" marL="0">
-              <a:buNone/>
-            </a:pPr>
-            <a:r>
-              <a:rPr lang="en-US" sz="4800" dirty="0">
-                <a:solidFill>
-                  <a:srgbClr val="000000"/>
+            <a:endParaRPr lang="en-US" sz="3600" dirty="0"/>
+          </a:p>
+          <a:p>
+            <a:pPr algn="ctr" indent="0" marL="0">
+              <a:buNone/>
+            </a:pPr>
+            <a:endParaRPr lang="en-US" sz="3600" dirty="0"/>
+          </a:p>
+          <a:p>
+            <a:pPr algn="ctr" indent="0" marL="0">
+              <a:buNone/>
+            </a:pPr>
+            <a:r>
+              <a:rPr lang="en-US" sz="3600" dirty="0">
+                <a:solidFill>
+                  <a:srgbClr val="404040"/>
                 </a:solidFill>
               </a:rPr>
               <a:t>カン</a:t>
             </a:r>
-            <a:endParaRPr lang="en-US" sz="4800" dirty="0"/>
-          </a:p>
-        </p:txBody>
-      </p:sp>
-      <p:sp>
-        <p:nvSpPr>
-          <p:cNvPr id="3" name="Text 1"/>
+            <a:endParaRPr lang="en-US" sz="3600" dirty="0"/>
+          </a:p>
+        </p:txBody>
+      </p:sp>
+      <p:sp>
+        <p:nvSpPr>
+          <p:cNvPr id="4" name="Text 2"/>
           <p:cNvSpPr/>
           <p:nvPr/>
         </p:nvSpPr>
@@ -2129,7 +2231,7 @@
             <a:r>
               <a:rPr lang="en-US" sz="3600" dirty="0">
                 <a:solidFill>
-                  <a:srgbClr val="000000"/>
+                  <a:srgbClr val="808080"/>
                 </a:solidFill>
               </a:rPr>
               <a:t>outlook, look, appearance, condition, view...</a:t>
@@ -2140,32 +2242,32 @@
       </p:sp>
       <p:sp>
         <p:nvSpPr>
-          <p:cNvPr id="4" name="Text 2"/>
-          <p:cNvSpPr/>
-          <p:nvPr/>
-        </p:nvSpPr>
-        <p:spPr>
-          <a:xfrm>
-            <a:off x="0" y="4572000"/>
-            <a:ext cx="7315200" cy="1828800"/>
-          </a:xfrm>
-          <a:prstGeom prst="rect">
-            <a:avLst/>
-          </a:prstGeom>
-          <a:noFill/>
-          <a:ln/>
-        </p:spPr>
-        <p:txBody>
-          <a:bodyPr wrap="square" rtlCol="0" anchor="ctr"/>
-          <a:lstStyle/>
-          <a:p>
-            <a:pPr algn="l" indent="0" marL="0">
+          <p:cNvPr id="5" name="Text 3"/>
+          <p:cNvSpPr/>
+          <p:nvPr/>
+        </p:nvSpPr>
+        <p:spPr>
+          <a:xfrm>
+            <a:off x="0" y="3657600"/>
+            <a:ext cx="8686800" cy="1828800"/>
+          </a:xfrm>
+          <a:prstGeom prst="rect">
+            <a:avLst/>
+          </a:prstGeom>
+          <a:noFill/>
+          <a:ln/>
+        </p:spPr>
+        <p:txBody>
+          <a:bodyPr wrap="square" rtlCol="0" anchor="ctr"/>
+          <a:lstStyle/>
+          <a:p>
+            <a:pPr algn="r" indent="0" marL="0">
               <a:buNone/>
             </a:pPr>
             <a:r>
               <a:rPr lang="en-US" sz="2400" dirty="0">
                 <a:solidFill>
-                  <a:srgbClr val="000000"/>
+                  <a:srgbClr val="808080"/>
                 </a:solidFill>
               </a:rPr>
               <a:t>61-62</a:t>
@@ -2207,6 +2309,42 @@
         </p:nvSpPr>
         <p:spPr>
           <a:xfrm>
+            <a:off x="0" y="548640"/>
+            <a:ext cx="9144000" cy="1828800"/>
+          </a:xfrm>
+          <a:prstGeom prst="rect">
+            <a:avLst/>
+          </a:prstGeom>
+          <a:noFill/>
+          <a:ln/>
+        </p:spPr>
+        <p:txBody>
+          <a:bodyPr wrap="square" rtlCol="0" anchor="ctr"/>
+          <a:lstStyle/>
+          <a:p>
+            <a:pPr algn="ctr" indent="0" marL="0">
+              <a:buNone/>
+            </a:pPr>
+            <a:r>
+              <a:rPr lang="en-US" sz="4800" dirty="0">
+                <a:solidFill>
+                  <a:srgbClr val="000000"/>
+                </a:solidFill>
+              </a:rPr>
+              <a:t>地域</a:t>
+            </a:r>
+            <a:endParaRPr lang="en-US" sz="4800" dirty="0"/>
+          </a:p>
+        </p:txBody>
+      </p:sp>
+      <p:sp>
+        <p:nvSpPr>
+          <p:cNvPr id="3" name="Text 1"/>
+          <p:cNvSpPr/>
+          <p:nvPr/>
+        </p:nvSpPr>
+        <p:spPr>
+          <a:xfrm>
             <a:off x="0" y="914400"/>
             <a:ext cx="9144000" cy="1828800"/>
           </a:xfrm>
@@ -2223,35 +2361,33 @@
             <a:pPr algn="ctr" indent="0" marL="0">
               <a:buNone/>
             </a:pPr>
-            <a:r>
-              <a:rPr lang="en-US" sz="4800" dirty="0">
-                <a:solidFill>
-                  <a:srgbClr val="000000"/>
-                </a:solidFill>
-              </a:rPr>
-              <a:t>地域</a:t>
-            </a:r>
-            <a:endParaRPr lang="en-US" sz="4800" dirty="0"/>
-          </a:p>
-          <a:p>
-            <a:pPr algn="ctr" indent="0" marL="0">
-              <a:buNone/>
-            </a:pPr>
-            <a:r>
-              <a:rPr lang="en-US" sz="4800" dirty="0">
-                <a:solidFill>
-                  <a:srgbClr val="000000"/>
+            <a:endParaRPr lang="en-US" sz="3600" dirty="0"/>
+          </a:p>
+          <a:p>
+            <a:pPr algn="ctr" indent="0" marL="0">
+              <a:buNone/>
+            </a:pPr>
+            <a:endParaRPr lang="en-US" sz="3600" dirty="0"/>
+          </a:p>
+          <a:p>
+            <a:pPr algn="ctr" indent="0" marL="0">
+              <a:buNone/>
+            </a:pPr>
+            <a:r>
+              <a:rPr lang="en-US" sz="3600" dirty="0">
+                <a:solidFill>
+                  <a:srgbClr val="404040"/>
                 </a:solidFill>
               </a:rPr>
               <a:t>ちいき</a:t>
             </a:r>
-            <a:endParaRPr lang="en-US" sz="4800" dirty="0"/>
-          </a:p>
-        </p:txBody>
-      </p:sp>
-      <p:sp>
-        <p:nvSpPr>
-          <p:cNvPr id="3" name="Text 1"/>
+            <a:endParaRPr lang="en-US" sz="3600" dirty="0"/>
+          </a:p>
+        </p:txBody>
+      </p:sp>
+      <p:sp>
+        <p:nvSpPr>
+          <p:cNvPr id="4" name="Text 2"/>
           <p:cNvSpPr/>
           <p:nvPr/>
         </p:nvSpPr>
@@ -2276,7 +2412,7 @@
             <a:r>
               <a:rPr lang="en-US" sz="3600" dirty="0">
                 <a:solidFill>
-                  <a:srgbClr val="000000"/>
+                  <a:srgbClr val="808080"/>
                 </a:solidFill>
               </a:rPr>
               <a:t>area, region...</a:t>
@@ -2287,32 +2423,32 @@
       </p:sp>
       <p:sp>
         <p:nvSpPr>
-          <p:cNvPr id="4" name="Text 2"/>
-          <p:cNvSpPr/>
-          <p:nvPr/>
-        </p:nvSpPr>
-        <p:spPr>
-          <a:xfrm>
-            <a:off x="0" y="4572000"/>
-            <a:ext cx="7315200" cy="1828800"/>
-          </a:xfrm>
-          <a:prstGeom prst="rect">
-            <a:avLst/>
-          </a:prstGeom>
-          <a:noFill/>
-          <a:ln/>
-        </p:spPr>
-        <p:txBody>
-          <a:bodyPr wrap="square" rtlCol="0" anchor="ctr"/>
-          <a:lstStyle/>
-          <a:p>
-            <a:pPr algn="l" indent="0" marL="0">
+          <p:cNvPr id="5" name="Text 3"/>
+          <p:cNvSpPr/>
+          <p:nvPr/>
+        </p:nvSpPr>
+        <p:spPr>
+          <a:xfrm>
+            <a:off x="0" y="3657600"/>
+            <a:ext cx="8686800" cy="1828800"/>
+          </a:xfrm>
+          <a:prstGeom prst="rect">
+            <a:avLst/>
+          </a:prstGeom>
+          <a:noFill/>
+          <a:ln/>
+        </p:spPr>
+        <p:txBody>
+          <a:bodyPr wrap="square" rtlCol="0" anchor="ctr"/>
+          <a:lstStyle/>
+          <a:p>
+            <a:pPr algn="r" indent="0" marL="0">
               <a:buNone/>
             </a:pPr>
             <a:r>
               <a:rPr lang="en-US" sz="2400" dirty="0">
                 <a:solidFill>
-                  <a:srgbClr val="000000"/>
+                  <a:srgbClr val="808080"/>
                 </a:solidFill>
               </a:rPr>
               <a:t>61-62</a:t>
@@ -2354,6 +2490,42 @@
         </p:nvSpPr>
         <p:spPr>
           <a:xfrm>
+            <a:off x="0" y="548640"/>
+            <a:ext cx="9144000" cy="1828800"/>
+          </a:xfrm>
+          <a:prstGeom prst="rect">
+            <a:avLst/>
+          </a:prstGeom>
+          <a:noFill/>
+          <a:ln/>
+        </p:spPr>
+        <p:txBody>
+          <a:bodyPr wrap="square" rtlCol="0" anchor="ctr"/>
+          <a:lstStyle/>
+          <a:p>
+            <a:pPr algn="ctr" indent="0" marL="0">
+              <a:buNone/>
+            </a:pPr>
+            <a:r>
+              <a:rPr lang="en-US" sz="4800" dirty="0">
+                <a:solidFill>
+                  <a:srgbClr val="000000"/>
+                </a:solidFill>
+              </a:rPr>
+              <a:t>気候</a:t>
+            </a:r>
+            <a:endParaRPr lang="en-US" sz="4800" dirty="0"/>
+          </a:p>
+        </p:txBody>
+      </p:sp>
+      <p:sp>
+        <p:nvSpPr>
+          <p:cNvPr id="3" name="Text 1"/>
+          <p:cNvSpPr/>
+          <p:nvPr/>
+        </p:nvSpPr>
+        <p:spPr>
+          <a:xfrm>
             <a:off x="0" y="914400"/>
             <a:ext cx="9144000" cy="1828800"/>
           </a:xfrm>
@@ -2370,35 +2542,33 @@
             <a:pPr algn="ctr" indent="0" marL="0">
               <a:buNone/>
             </a:pPr>
-            <a:r>
-              <a:rPr lang="en-US" sz="4800" dirty="0">
-                <a:solidFill>
-                  <a:srgbClr val="000000"/>
-                </a:solidFill>
-              </a:rPr>
-              <a:t>気候</a:t>
-            </a:r>
-            <a:endParaRPr lang="en-US" sz="4800" dirty="0"/>
-          </a:p>
-          <a:p>
-            <a:pPr algn="ctr" indent="0" marL="0">
-              <a:buNone/>
-            </a:pPr>
-            <a:r>
-              <a:rPr lang="en-US" sz="4800" dirty="0">
-                <a:solidFill>
-                  <a:srgbClr val="000000"/>
+            <a:endParaRPr lang="en-US" sz="3600" dirty="0"/>
+          </a:p>
+          <a:p>
+            <a:pPr algn="ctr" indent="0" marL="0">
+              <a:buNone/>
+            </a:pPr>
+            <a:endParaRPr lang="en-US" sz="3600" dirty="0"/>
+          </a:p>
+          <a:p>
+            <a:pPr algn="ctr" indent="0" marL="0">
+              <a:buNone/>
+            </a:pPr>
+            <a:r>
+              <a:rPr lang="en-US" sz="3600" dirty="0">
+                <a:solidFill>
+                  <a:srgbClr val="404040"/>
                 </a:solidFill>
               </a:rPr>
               <a:t>きこう</a:t>
             </a:r>
-            <a:endParaRPr lang="en-US" sz="4800" dirty="0"/>
-          </a:p>
-        </p:txBody>
-      </p:sp>
-      <p:sp>
-        <p:nvSpPr>
-          <p:cNvPr id="3" name="Text 1"/>
+            <a:endParaRPr lang="en-US" sz="3600" dirty="0"/>
+          </a:p>
+        </p:txBody>
+      </p:sp>
+      <p:sp>
+        <p:nvSpPr>
+          <p:cNvPr id="4" name="Text 2"/>
           <p:cNvSpPr/>
           <p:nvPr/>
         </p:nvSpPr>
@@ -2423,7 +2593,7 @@
             <a:r>
               <a:rPr lang="en-US" sz="3600" dirty="0">
                 <a:solidFill>
-                  <a:srgbClr val="000000"/>
+                  <a:srgbClr val="808080"/>
                 </a:solidFill>
               </a:rPr>
               <a:t>climate...</a:t>
@@ -2434,32 +2604,32 @@
       </p:sp>
       <p:sp>
         <p:nvSpPr>
-          <p:cNvPr id="4" name="Text 2"/>
-          <p:cNvSpPr/>
-          <p:nvPr/>
-        </p:nvSpPr>
-        <p:spPr>
-          <a:xfrm>
-            <a:off x="0" y="4572000"/>
-            <a:ext cx="7315200" cy="1828800"/>
-          </a:xfrm>
-          <a:prstGeom prst="rect">
-            <a:avLst/>
-          </a:prstGeom>
-          <a:noFill/>
-          <a:ln/>
-        </p:spPr>
-        <p:txBody>
-          <a:bodyPr wrap="square" rtlCol="0" anchor="ctr"/>
-          <a:lstStyle/>
-          <a:p>
-            <a:pPr algn="l" indent="0" marL="0">
+          <p:cNvPr id="5" name="Text 3"/>
+          <p:cNvSpPr/>
+          <p:nvPr/>
+        </p:nvSpPr>
+        <p:spPr>
+          <a:xfrm>
+            <a:off x="0" y="3657600"/>
+            <a:ext cx="8686800" cy="1828800"/>
+          </a:xfrm>
+          <a:prstGeom prst="rect">
+            <a:avLst/>
+          </a:prstGeom>
+          <a:noFill/>
+          <a:ln/>
+        </p:spPr>
+        <p:txBody>
+          <a:bodyPr wrap="square" rtlCol="0" anchor="ctr"/>
+          <a:lstStyle/>
+          <a:p>
+            <a:pPr algn="r" indent="0" marL="0">
               <a:buNone/>
             </a:pPr>
             <a:r>
               <a:rPr lang="en-US" sz="2400" dirty="0">
                 <a:solidFill>
-                  <a:srgbClr val="000000"/>
+                  <a:srgbClr val="808080"/>
                 </a:solidFill>
               </a:rPr>
               <a:t>61-62</a:t>
@@ -2501,6 +2671,42 @@
         </p:nvSpPr>
         <p:spPr>
           <a:xfrm>
+            <a:off x="0" y="548640"/>
+            <a:ext cx="9144000" cy="1828800"/>
+          </a:xfrm>
+          <a:prstGeom prst="rect">
+            <a:avLst/>
+          </a:prstGeom>
+          <a:noFill/>
+          <a:ln/>
+        </p:spPr>
+        <p:txBody>
+          <a:bodyPr wrap="square" rtlCol="0" anchor="ctr"/>
+          <a:lstStyle/>
+          <a:p>
+            <a:pPr algn="ctr" indent="0" marL="0">
+              <a:buNone/>
+            </a:pPr>
+            <a:r>
+              <a:rPr lang="en-US" sz="4800" dirty="0">
+                <a:solidFill>
+                  <a:srgbClr val="000000"/>
+                </a:solidFill>
+              </a:rPr>
+              <a:t>咲く</a:t>
+            </a:r>
+            <a:endParaRPr lang="en-US" sz="4800" dirty="0"/>
+          </a:p>
+        </p:txBody>
+      </p:sp>
+      <p:sp>
+        <p:nvSpPr>
+          <p:cNvPr id="3" name="Text 1"/>
+          <p:cNvSpPr/>
+          <p:nvPr/>
+        </p:nvSpPr>
+        <p:spPr>
+          <a:xfrm>
             <a:off x="0" y="914400"/>
             <a:ext cx="9144000" cy="1828800"/>
           </a:xfrm>
@@ -2517,35 +2723,33 @@
             <a:pPr algn="ctr" indent="0" marL="0">
               <a:buNone/>
             </a:pPr>
-            <a:r>
-              <a:rPr lang="en-US" sz="4800" dirty="0">
-                <a:solidFill>
-                  <a:srgbClr val="000000"/>
-                </a:solidFill>
-              </a:rPr>
-              <a:t>咲く</a:t>
-            </a:r>
-            <a:endParaRPr lang="en-US" sz="4800" dirty="0"/>
-          </a:p>
-          <a:p>
-            <a:pPr algn="ctr" indent="0" marL="0">
-              <a:buNone/>
-            </a:pPr>
-            <a:r>
-              <a:rPr lang="en-US" sz="4800" dirty="0">
-                <a:solidFill>
-                  <a:srgbClr val="000000"/>
+            <a:endParaRPr lang="en-US" sz="3600" dirty="0"/>
+          </a:p>
+          <a:p>
+            <a:pPr algn="ctr" indent="0" marL="0">
+              <a:buNone/>
+            </a:pPr>
+            <a:endParaRPr lang="en-US" sz="3600" dirty="0"/>
+          </a:p>
+          <a:p>
+            <a:pPr algn="ctr" indent="0" marL="0">
+              <a:buNone/>
+            </a:pPr>
+            <a:r>
+              <a:rPr lang="en-US" sz="3600" dirty="0">
+                <a:solidFill>
+                  <a:srgbClr val="404040"/>
                 </a:solidFill>
               </a:rPr>
               <a:t>さく</a:t>
             </a:r>
-            <a:endParaRPr lang="en-US" sz="4800" dirty="0"/>
-          </a:p>
-        </p:txBody>
-      </p:sp>
-      <p:sp>
-        <p:nvSpPr>
-          <p:cNvPr id="3" name="Text 1"/>
+            <a:endParaRPr lang="en-US" sz="3600" dirty="0"/>
+          </a:p>
+        </p:txBody>
+      </p:sp>
+      <p:sp>
+        <p:nvSpPr>
+          <p:cNvPr id="4" name="Text 2"/>
           <p:cNvSpPr/>
           <p:nvPr/>
         </p:nvSpPr>
@@ -2570,7 +2774,7 @@
             <a:r>
               <a:rPr lang="en-US" sz="3600" dirty="0">
                 <a:solidFill>
-                  <a:srgbClr val="000000"/>
+                  <a:srgbClr val="808080"/>
                 </a:solidFill>
               </a:rPr>
               <a:t>to bloom, to flower, to blossom, to open | to rise up (of breaking waves)...</a:t>
@@ -2581,32 +2785,32 @@
       </p:sp>
       <p:sp>
         <p:nvSpPr>
-          <p:cNvPr id="4" name="Text 2"/>
-          <p:cNvSpPr/>
-          <p:nvPr/>
-        </p:nvSpPr>
-        <p:spPr>
-          <a:xfrm>
-            <a:off x="0" y="4572000"/>
-            <a:ext cx="7315200" cy="1828800"/>
-          </a:xfrm>
-          <a:prstGeom prst="rect">
-            <a:avLst/>
-          </a:prstGeom>
-          <a:noFill/>
-          <a:ln/>
-        </p:spPr>
-        <p:txBody>
-          <a:bodyPr wrap="square" rtlCol="0" anchor="ctr"/>
-          <a:lstStyle/>
-          <a:p>
-            <a:pPr algn="l" indent="0" marL="0">
+          <p:cNvPr id="5" name="Text 3"/>
+          <p:cNvSpPr/>
+          <p:nvPr/>
+        </p:nvSpPr>
+        <p:spPr>
+          <a:xfrm>
+            <a:off x="0" y="3657600"/>
+            <a:ext cx="8686800" cy="1828800"/>
+          </a:xfrm>
+          <a:prstGeom prst="rect">
+            <a:avLst/>
+          </a:prstGeom>
+          <a:noFill/>
+          <a:ln/>
+        </p:spPr>
+        <p:txBody>
+          <a:bodyPr wrap="square" rtlCol="0" anchor="ctr"/>
+          <a:lstStyle/>
+          <a:p>
+            <a:pPr algn="r" indent="0" marL="0">
               <a:buNone/>
             </a:pPr>
             <a:r>
               <a:rPr lang="en-US" sz="2400" dirty="0">
                 <a:solidFill>
-                  <a:srgbClr val="000000"/>
+                  <a:srgbClr val="808080"/>
                 </a:solidFill>
               </a:rPr>
               <a:t>61-62</a:t>
@@ -2648,6 +2852,42 @@
         </p:nvSpPr>
         <p:spPr>
           <a:xfrm>
+            <a:off x="0" y="548640"/>
+            <a:ext cx="9144000" cy="1828800"/>
+          </a:xfrm>
+          <a:prstGeom prst="rect">
+            <a:avLst/>
+          </a:prstGeom>
+          <a:noFill/>
+          <a:ln/>
+        </p:spPr>
+        <p:txBody>
+          <a:bodyPr wrap="square" rtlCol="0" anchor="ctr"/>
+          <a:lstStyle/>
+          <a:p>
+            <a:pPr algn="ctr" indent="0" marL="0">
+              <a:buNone/>
+            </a:pPr>
+            <a:r>
+              <a:rPr lang="en-US" sz="4800" dirty="0">
+                <a:solidFill>
+                  <a:srgbClr val="000000"/>
+                </a:solidFill>
+              </a:rPr>
+              <a:t>賛成</a:t>
+            </a:r>
+            <a:endParaRPr lang="en-US" sz="4800" dirty="0"/>
+          </a:p>
+        </p:txBody>
+      </p:sp>
+      <p:sp>
+        <p:nvSpPr>
+          <p:cNvPr id="3" name="Text 1"/>
+          <p:cNvSpPr/>
+          <p:nvPr/>
+        </p:nvSpPr>
+        <p:spPr>
+          <a:xfrm>
             <a:off x="0" y="914400"/>
             <a:ext cx="9144000" cy="1828800"/>
           </a:xfrm>
@@ -2664,35 +2904,33 @@
             <a:pPr algn="ctr" indent="0" marL="0">
               <a:buNone/>
             </a:pPr>
-            <a:r>
-              <a:rPr lang="en-US" sz="4800" dirty="0">
-                <a:solidFill>
-                  <a:srgbClr val="000000"/>
-                </a:solidFill>
-              </a:rPr>
-              <a:t>賛成</a:t>
-            </a:r>
-            <a:endParaRPr lang="en-US" sz="4800" dirty="0"/>
-          </a:p>
-          <a:p>
-            <a:pPr algn="ctr" indent="0" marL="0">
-              <a:buNone/>
-            </a:pPr>
-            <a:r>
-              <a:rPr lang="en-US" sz="4800" dirty="0">
-                <a:solidFill>
-                  <a:srgbClr val="000000"/>
+            <a:endParaRPr lang="en-US" sz="3600" dirty="0"/>
+          </a:p>
+          <a:p>
+            <a:pPr algn="ctr" indent="0" marL="0">
+              <a:buNone/>
+            </a:pPr>
+            <a:endParaRPr lang="en-US" sz="3600" dirty="0"/>
+          </a:p>
+          <a:p>
+            <a:pPr algn="ctr" indent="0" marL="0">
+              <a:buNone/>
+            </a:pPr>
+            <a:r>
+              <a:rPr lang="en-US" sz="3600" dirty="0">
+                <a:solidFill>
+                  <a:srgbClr val="404040"/>
                 </a:solidFill>
               </a:rPr>
               <a:t>さんせい</a:t>
             </a:r>
-            <a:endParaRPr lang="en-US" sz="4800" dirty="0"/>
-          </a:p>
-        </p:txBody>
-      </p:sp>
-      <p:sp>
-        <p:nvSpPr>
-          <p:cNvPr id="3" name="Text 1"/>
+            <a:endParaRPr lang="en-US" sz="3600" dirty="0"/>
+          </a:p>
+        </p:txBody>
+      </p:sp>
+      <p:sp>
+        <p:nvSpPr>
+          <p:cNvPr id="4" name="Text 2"/>
           <p:cNvSpPr/>
           <p:nvPr/>
         </p:nvSpPr>
@@ -2717,7 +2955,7 @@
             <a:r>
               <a:rPr lang="en-US" sz="3600" dirty="0">
                 <a:solidFill>
-                  <a:srgbClr val="000000"/>
+                  <a:srgbClr val="808080"/>
                 </a:solidFill>
               </a:rPr>
               <a:t>approval, agreement, support, favour, favor...</a:t>
@@ -2728,32 +2966,32 @@
       </p:sp>
       <p:sp>
         <p:nvSpPr>
-          <p:cNvPr id="4" name="Text 2"/>
-          <p:cNvSpPr/>
-          <p:nvPr/>
-        </p:nvSpPr>
-        <p:spPr>
-          <a:xfrm>
-            <a:off x="0" y="4572000"/>
-            <a:ext cx="7315200" cy="1828800"/>
-          </a:xfrm>
-          <a:prstGeom prst="rect">
-            <a:avLst/>
-          </a:prstGeom>
-          <a:noFill/>
-          <a:ln/>
-        </p:spPr>
-        <p:txBody>
-          <a:bodyPr wrap="square" rtlCol="0" anchor="ctr"/>
-          <a:lstStyle/>
-          <a:p>
-            <a:pPr algn="l" indent="0" marL="0">
+          <p:cNvPr id="5" name="Text 3"/>
+          <p:cNvSpPr/>
+          <p:nvPr/>
+        </p:nvSpPr>
+        <p:spPr>
+          <a:xfrm>
+            <a:off x="0" y="3657600"/>
+            <a:ext cx="8686800" cy="1828800"/>
+          </a:xfrm>
+          <a:prstGeom prst="rect">
+            <a:avLst/>
+          </a:prstGeom>
+          <a:noFill/>
+          <a:ln/>
+        </p:spPr>
+        <p:txBody>
+          <a:bodyPr wrap="square" rtlCol="0" anchor="ctr"/>
+          <a:lstStyle/>
+          <a:p>
+            <a:pPr algn="r" indent="0" marL="0">
               <a:buNone/>
             </a:pPr>
             <a:r>
               <a:rPr lang="en-US" sz="2400" dirty="0">
                 <a:solidFill>
-                  <a:srgbClr val="000000"/>
+                  <a:srgbClr val="808080"/>
                 </a:solidFill>
               </a:rPr>
               <a:t>61-62</a:t>
@@ -2795,6 +3033,42 @@
         </p:nvSpPr>
         <p:spPr>
           <a:xfrm>
+            <a:off x="0" y="548640"/>
+            <a:ext cx="9144000" cy="1828800"/>
+          </a:xfrm>
+          <a:prstGeom prst="rect">
+            <a:avLst/>
+          </a:prstGeom>
+          <a:noFill/>
+          <a:ln/>
+        </p:spPr>
+        <p:txBody>
+          <a:bodyPr wrap="square" rtlCol="0" anchor="ctr"/>
+          <a:lstStyle/>
+          <a:p>
+            <a:pPr algn="ctr" indent="0" marL="0">
+              <a:buNone/>
+            </a:pPr>
+            <a:r>
+              <a:rPr lang="en-US" sz="4800" dirty="0">
+                <a:solidFill>
+                  <a:srgbClr val="000000"/>
+                </a:solidFill>
+              </a:rPr>
+              <a:t>算数</a:t>
+            </a:r>
+            <a:endParaRPr lang="en-US" sz="4800" dirty="0"/>
+          </a:p>
+        </p:txBody>
+      </p:sp>
+      <p:sp>
+        <p:nvSpPr>
+          <p:cNvPr id="3" name="Text 1"/>
+          <p:cNvSpPr/>
+          <p:nvPr/>
+        </p:nvSpPr>
+        <p:spPr>
+          <a:xfrm>
             <a:off x="0" y="914400"/>
             <a:ext cx="9144000" cy="1828800"/>
           </a:xfrm>
@@ -2811,35 +3085,33 @@
             <a:pPr algn="ctr" indent="0" marL="0">
               <a:buNone/>
             </a:pPr>
-            <a:r>
-              <a:rPr lang="en-US" sz="4800" dirty="0">
-                <a:solidFill>
-                  <a:srgbClr val="000000"/>
-                </a:solidFill>
-              </a:rPr>
-              <a:t>算数</a:t>
-            </a:r>
-            <a:endParaRPr lang="en-US" sz="4800" dirty="0"/>
-          </a:p>
-          <a:p>
-            <a:pPr algn="ctr" indent="0" marL="0">
-              <a:buNone/>
-            </a:pPr>
-            <a:r>
-              <a:rPr lang="en-US" sz="4800" dirty="0">
-                <a:solidFill>
-                  <a:srgbClr val="000000"/>
+            <a:endParaRPr lang="en-US" sz="3600" dirty="0"/>
+          </a:p>
+          <a:p>
+            <a:pPr algn="ctr" indent="0" marL="0">
+              <a:buNone/>
+            </a:pPr>
+            <a:endParaRPr lang="en-US" sz="3600" dirty="0"/>
+          </a:p>
+          <a:p>
+            <a:pPr algn="ctr" indent="0" marL="0">
+              <a:buNone/>
+            </a:pPr>
+            <a:r>
+              <a:rPr lang="en-US" sz="3600" dirty="0">
+                <a:solidFill>
+                  <a:srgbClr val="404040"/>
                 </a:solidFill>
               </a:rPr>
               <a:t>さんすう</a:t>
             </a:r>
-            <a:endParaRPr lang="en-US" sz="4800" dirty="0"/>
-          </a:p>
-        </p:txBody>
-      </p:sp>
-      <p:sp>
-        <p:nvSpPr>
-          <p:cNvPr id="3" name="Text 1"/>
+            <a:endParaRPr lang="en-US" sz="3600" dirty="0"/>
+          </a:p>
+        </p:txBody>
+      </p:sp>
+      <p:sp>
+        <p:nvSpPr>
+          <p:cNvPr id="4" name="Text 2"/>
           <p:cNvSpPr/>
           <p:nvPr/>
         </p:nvSpPr>
@@ -2864,7 +3136,7 @@
             <a:r>
               <a:rPr lang="en-US" sz="3600" dirty="0">
                 <a:solidFill>
-                  <a:srgbClr val="000000"/>
+                  <a:srgbClr val="808080"/>
                 </a:solidFill>
               </a:rPr>
               <a:t>arithmetic | calculation...</a:t>
@@ -2875,32 +3147,32 @@
       </p:sp>
       <p:sp>
         <p:nvSpPr>
-          <p:cNvPr id="4" name="Text 2"/>
-          <p:cNvSpPr/>
-          <p:nvPr/>
-        </p:nvSpPr>
-        <p:spPr>
-          <a:xfrm>
-            <a:off x="0" y="4572000"/>
-            <a:ext cx="7315200" cy="1828800"/>
-          </a:xfrm>
-          <a:prstGeom prst="rect">
-            <a:avLst/>
-          </a:prstGeom>
-          <a:noFill/>
-          <a:ln/>
-        </p:spPr>
-        <p:txBody>
-          <a:bodyPr wrap="square" rtlCol="0" anchor="ctr"/>
-          <a:lstStyle/>
-          <a:p>
-            <a:pPr algn="l" indent="0" marL="0">
+          <p:cNvPr id="5" name="Text 3"/>
+          <p:cNvSpPr/>
+          <p:nvPr/>
+        </p:nvSpPr>
+        <p:spPr>
+          <a:xfrm>
+            <a:off x="0" y="3657600"/>
+            <a:ext cx="8686800" cy="1828800"/>
+          </a:xfrm>
+          <a:prstGeom prst="rect">
+            <a:avLst/>
+          </a:prstGeom>
+          <a:noFill/>
+          <a:ln/>
+        </p:spPr>
+        <p:txBody>
+          <a:bodyPr wrap="square" rtlCol="0" anchor="ctr"/>
+          <a:lstStyle/>
+          <a:p>
+            <a:pPr algn="r" indent="0" marL="0">
               <a:buNone/>
             </a:pPr>
             <a:r>
               <a:rPr lang="en-US" sz="2400" dirty="0">
                 <a:solidFill>
-                  <a:srgbClr val="000000"/>
+                  <a:srgbClr val="808080"/>
                 </a:solidFill>
               </a:rPr>
               <a:t>61-62</a:t>
@@ -2942,6 +3214,42 @@
         </p:nvSpPr>
         <p:spPr>
           <a:xfrm>
+            <a:off x="0" y="548640"/>
+            <a:ext cx="9144000" cy="1828800"/>
+          </a:xfrm>
+          <a:prstGeom prst="rect">
+            <a:avLst/>
+          </a:prstGeom>
+          <a:noFill/>
+          <a:ln/>
+        </p:spPr>
+        <p:txBody>
+          <a:bodyPr wrap="square" rtlCol="0" anchor="ctr"/>
+          <a:lstStyle/>
+          <a:p>
+            <a:pPr algn="ctr" indent="0" marL="0">
+              <a:buNone/>
+            </a:pPr>
+            <a:r>
+              <a:rPr lang="en-US" sz="4800" dirty="0">
+                <a:solidFill>
+                  <a:srgbClr val="000000"/>
+                </a:solidFill>
+              </a:rPr>
+              <a:t>成績</a:t>
+            </a:r>
+            <a:endParaRPr lang="en-US" sz="4800" dirty="0"/>
+          </a:p>
+        </p:txBody>
+      </p:sp>
+      <p:sp>
+        <p:nvSpPr>
+          <p:cNvPr id="3" name="Text 1"/>
+          <p:cNvSpPr/>
+          <p:nvPr/>
+        </p:nvSpPr>
+        <p:spPr>
+          <a:xfrm>
             <a:off x="0" y="914400"/>
             <a:ext cx="9144000" cy="1828800"/>
           </a:xfrm>
@@ -2958,35 +3266,33 @@
             <a:pPr algn="ctr" indent="0" marL="0">
               <a:buNone/>
             </a:pPr>
-            <a:r>
-              <a:rPr lang="en-US" sz="4800" dirty="0">
-                <a:solidFill>
-                  <a:srgbClr val="000000"/>
-                </a:solidFill>
-              </a:rPr>
-              <a:t>成績</a:t>
-            </a:r>
-            <a:endParaRPr lang="en-US" sz="4800" dirty="0"/>
-          </a:p>
-          <a:p>
-            <a:pPr algn="ctr" indent="0" marL="0">
-              <a:buNone/>
-            </a:pPr>
-            <a:r>
-              <a:rPr lang="en-US" sz="4800" dirty="0">
-                <a:solidFill>
-                  <a:srgbClr val="000000"/>
+            <a:endParaRPr lang="en-US" sz="3600" dirty="0"/>
+          </a:p>
+          <a:p>
+            <a:pPr algn="ctr" indent="0" marL="0">
+              <a:buNone/>
+            </a:pPr>
+            <a:endParaRPr lang="en-US" sz="3600" dirty="0"/>
+          </a:p>
+          <a:p>
+            <a:pPr algn="ctr" indent="0" marL="0">
+              <a:buNone/>
+            </a:pPr>
+            <a:r>
+              <a:rPr lang="en-US" sz="3600" dirty="0">
+                <a:solidFill>
+                  <a:srgbClr val="404040"/>
                 </a:solidFill>
               </a:rPr>
               <a:t>せいせき</a:t>
             </a:r>
-            <a:endParaRPr lang="en-US" sz="4800" dirty="0"/>
-          </a:p>
-        </p:txBody>
-      </p:sp>
-      <p:sp>
-        <p:nvSpPr>
-          <p:cNvPr id="3" name="Text 1"/>
+            <a:endParaRPr lang="en-US" sz="3600" dirty="0"/>
+          </a:p>
+        </p:txBody>
+      </p:sp>
+      <p:sp>
+        <p:nvSpPr>
+          <p:cNvPr id="4" name="Text 2"/>
           <p:cNvSpPr/>
           <p:nvPr/>
         </p:nvSpPr>
@@ -3011,7 +3317,7 @@
             <a:r>
               <a:rPr lang="en-US" sz="3600" dirty="0">
                 <a:solidFill>
-                  <a:srgbClr val="000000"/>
+                  <a:srgbClr val="808080"/>
                 </a:solidFill>
               </a:rPr>
               <a:t>results, record, grades, marks...</a:t>
@@ -3022,32 +3328,32 @@
       </p:sp>
       <p:sp>
         <p:nvSpPr>
-          <p:cNvPr id="4" name="Text 2"/>
-          <p:cNvSpPr/>
-          <p:nvPr/>
-        </p:nvSpPr>
-        <p:spPr>
-          <a:xfrm>
-            <a:off x="0" y="4572000"/>
-            <a:ext cx="7315200" cy="1828800"/>
-          </a:xfrm>
-          <a:prstGeom prst="rect">
-            <a:avLst/>
-          </a:prstGeom>
-          <a:noFill/>
-          <a:ln/>
-        </p:spPr>
-        <p:txBody>
-          <a:bodyPr wrap="square" rtlCol="0" anchor="ctr"/>
-          <a:lstStyle/>
-          <a:p>
-            <a:pPr algn="l" indent="0" marL="0">
+          <p:cNvPr id="5" name="Text 3"/>
+          <p:cNvSpPr/>
+          <p:nvPr/>
+        </p:nvSpPr>
+        <p:spPr>
+          <a:xfrm>
+            <a:off x="0" y="3657600"/>
+            <a:ext cx="8686800" cy="1828800"/>
+          </a:xfrm>
+          <a:prstGeom prst="rect">
+            <a:avLst/>
+          </a:prstGeom>
+          <a:noFill/>
+          <a:ln/>
+        </p:spPr>
+        <p:txBody>
+          <a:bodyPr wrap="square" rtlCol="0" anchor="ctr"/>
+          <a:lstStyle/>
+          <a:p>
+            <a:pPr algn="r" indent="0" marL="0">
               <a:buNone/>
             </a:pPr>
             <a:r>
               <a:rPr lang="en-US" sz="2400" dirty="0">
                 <a:solidFill>
-                  <a:srgbClr val="000000"/>
+                  <a:srgbClr val="808080"/>
                 </a:solidFill>
               </a:rPr>
               <a:t>61-62</a:t>
@@ -3089,6 +3395,42 @@
         </p:nvSpPr>
         <p:spPr>
           <a:xfrm>
+            <a:off x="0" y="548640"/>
+            <a:ext cx="9144000" cy="1828800"/>
+          </a:xfrm>
+          <a:prstGeom prst="rect">
+            <a:avLst/>
+          </a:prstGeom>
+          <a:noFill/>
+          <a:ln/>
+        </p:spPr>
+        <p:txBody>
+          <a:bodyPr wrap="square" rtlCol="0" anchor="ctr"/>
+          <a:lstStyle/>
+          <a:p>
+            <a:pPr algn="ctr" indent="0" marL="0">
+              <a:buNone/>
+            </a:pPr>
+            <a:r>
+              <a:rPr lang="en-US" sz="4800" dirty="0">
+                <a:solidFill>
+                  <a:srgbClr val="000000"/>
+                </a:solidFill>
+              </a:rPr>
+              <a:t>平仮名</a:t>
+            </a:r>
+            <a:endParaRPr lang="en-US" sz="4800" dirty="0"/>
+          </a:p>
+        </p:txBody>
+      </p:sp>
+      <p:sp>
+        <p:nvSpPr>
+          <p:cNvPr id="3" name="Text 1"/>
+          <p:cNvSpPr/>
+          <p:nvPr/>
+        </p:nvSpPr>
+        <p:spPr>
+          <a:xfrm>
             <a:off x="0" y="914400"/>
             <a:ext cx="9144000" cy="1828800"/>
           </a:xfrm>
@@ -3105,35 +3447,33 @@
             <a:pPr algn="ctr" indent="0" marL="0">
               <a:buNone/>
             </a:pPr>
-            <a:r>
-              <a:rPr lang="en-US" sz="4800" dirty="0">
-                <a:solidFill>
-                  <a:srgbClr val="000000"/>
-                </a:solidFill>
-              </a:rPr>
-              <a:t>平仮名</a:t>
-            </a:r>
-            <a:endParaRPr lang="en-US" sz="4800" dirty="0"/>
-          </a:p>
-          <a:p>
-            <a:pPr algn="ctr" indent="0" marL="0">
-              <a:buNone/>
-            </a:pPr>
-            <a:r>
-              <a:rPr lang="en-US" sz="4800" dirty="0">
-                <a:solidFill>
-                  <a:srgbClr val="000000"/>
+            <a:endParaRPr lang="en-US" sz="3600" dirty="0"/>
+          </a:p>
+          <a:p>
+            <a:pPr algn="ctr" indent="0" marL="0">
+              <a:buNone/>
+            </a:pPr>
+            <a:endParaRPr lang="en-US" sz="3600" dirty="0"/>
+          </a:p>
+          <a:p>
+            <a:pPr algn="ctr" indent="0" marL="0">
+              <a:buNone/>
+            </a:pPr>
+            <a:r>
+              <a:rPr lang="en-US" sz="3600" dirty="0">
+                <a:solidFill>
+                  <a:srgbClr val="404040"/>
                 </a:solidFill>
               </a:rPr>
               <a:t>ひらがな</a:t>
             </a:r>
-            <a:endParaRPr lang="en-US" sz="4800" dirty="0"/>
-          </a:p>
-        </p:txBody>
-      </p:sp>
-      <p:sp>
-        <p:nvSpPr>
-          <p:cNvPr id="3" name="Text 1"/>
+            <a:endParaRPr lang="en-US" sz="3600" dirty="0"/>
+          </a:p>
+        </p:txBody>
+      </p:sp>
+      <p:sp>
+        <p:nvSpPr>
+          <p:cNvPr id="4" name="Text 2"/>
           <p:cNvSpPr/>
           <p:nvPr/>
         </p:nvSpPr>
@@ -3158,7 +3498,7 @@
             <a:r>
               <a:rPr lang="en-US" sz="3600" dirty="0">
                 <a:solidFill>
-                  <a:srgbClr val="000000"/>
+                  <a:srgbClr val="808080"/>
                 </a:solidFill>
               </a:rPr>
               <a:t>hiragana, cursive Japanese syllabary used primarily for native Japanese words (esp. function words, inflections, etc.)...</a:t>
@@ -3169,32 +3509,32 @@
       </p:sp>
       <p:sp>
         <p:nvSpPr>
-          <p:cNvPr id="4" name="Text 2"/>
-          <p:cNvSpPr/>
-          <p:nvPr/>
-        </p:nvSpPr>
-        <p:spPr>
-          <a:xfrm>
-            <a:off x="0" y="4572000"/>
-            <a:ext cx="7315200" cy="1828800"/>
-          </a:xfrm>
-          <a:prstGeom prst="rect">
-            <a:avLst/>
-          </a:prstGeom>
-          <a:noFill/>
-          <a:ln/>
-        </p:spPr>
-        <p:txBody>
-          <a:bodyPr wrap="square" rtlCol="0" anchor="ctr"/>
-          <a:lstStyle/>
-          <a:p>
-            <a:pPr algn="l" indent="0" marL="0">
+          <p:cNvPr id="5" name="Text 3"/>
+          <p:cNvSpPr/>
+          <p:nvPr/>
+        </p:nvSpPr>
+        <p:spPr>
+          <a:xfrm>
+            <a:off x="0" y="3657600"/>
+            <a:ext cx="8686800" cy="1828800"/>
+          </a:xfrm>
+          <a:prstGeom prst="rect">
+            <a:avLst/>
+          </a:prstGeom>
+          <a:noFill/>
+          <a:ln/>
+        </p:spPr>
+        <p:txBody>
+          <a:bodyPr wrap="square" rtlCol="0" anchor="ctr"/>
+          <a:lstStyle/>
+          <a:p>
+            <a:pPr algn="r" indent="0" marL="0">
               <a:buNone/>
             </a:pPr>
             <a:r>
               <a:rPr lang="en-US" sz="2400" dirty="0">
                 <a:solidFill>
-                  <a:srgbClr val="000000"/>
+                  <a:srgbClr val="808080"/>
                 </a:solidFill>
               </a:rPr>
               <a:t>61-62</a:t>
@@ -3236,6 +3576,42 @@
         </p:nvSpPr>
         <p:spPr>
           <a:xfrm>
+            <a:off x="0" y="548640"/>
+            <a:ext cx="9144000" cy="1828800"/>
+          </a:xfrm>
+          <a:prstGeom prst="rect">
+            <a:avLst/>
+          </a:prstGeom>
+          <a:noFill/>
+          <a:ln/>
+        </p:spPr>
+        <p:txBody>
+          <a:bodyPr wrap="square" rtlCol="0" anchor="ctr"/>
+          <a:lstStyle/>
+          <a:p>
+            <a:pPr algn="ctr" indent="0" marL="0">
+              <a:buNone/>
+            </a:pPr>
+            <a:r>
+              <a:rPr lang="en-US" sz="4800" dirty="0">
+                <a:solidFill>
+                  <a:srgbClr val="000000"/>
+                </a:solidFill>
+              </a:rPr>
+              <a:t>平ら</a:t>
+            </a:r>
+            <a:endParaRPr lang="en-US" sz="4800" dirty="0"/>
+          </a:p>
+        </p:txBody>
+      </p:sp>
+      <p:sp>
+        <p:nvSpPr>
+          <p:cNvPr id="3" name="Text 1"/>
+          <p:cNvSpPr/>
+          <p:nvPr/>
+        </p:nvSpPr>
+        <p:spPr>
+          <a:xfrm>
             <a:off x="0" y="914400"/>
             <a:ext cx="9144000" cy="1828800"/>
           </a:xfrm>
@@ -3252,35 +3628,33 @@
             <a:pPr algn="ctr" indent="0" marL="0">
               <a:buNone/>
             </a:pPr>
-            <a:r>
-              <a:rPr lang="en-US" sz="4800" dirty="0">
-                <a:solidFill>
-                  <a:srgbClr val="000000"/>
-                </a:solidFill>
-              </a:rPr>
-              <a:t>平ら</a:t>
-            </a:r>
-            <a:endParaRPr lang="en-US" sz="4800" dirty="0"/>
-          </a:p>
-          <a:p>
-            <a:pPr algn="ctr" indent="0" marL="0">
-              <a:buNone/>
-            </a:pPr>
-            <a:r>
-              <a:rPr lang="en-US" sz="4800" dirty="0">
-                <a:solidFill>
-                  <a:srgbClr val="000000"/>
+            <a:endParaRPr lang="en-US" sz="3600" dirty="0"/>
+          </a:p>
+          <a:p>
+            <a:pPr algn="ctr" indent="0" marL="0">
+              <a:buNone/>
+            </a:pPr>
+            <a:endParaRPr lang="en-US" sz="3600" dirty="0"/>
+          </a:p>
+          <a:p>
+            <a:pPr algn="ctr" indent="0" marL="0">
+              <a:buNone/>
+            </a:pPr>
+            <a:r>
+              <a:rPr lang="en-US" sz="3600" dirty="0">
+                <a:solidFill>
+                  <a:srgbClr val="404040"/>
                 </a:solidFill>
               </a:rPr>
               <a:t>たいら</a:t>
             </a:r>
-            <a:endParaRPr lang="en-US" sz="4800" dirty="0"/>
-          </a:p>
-        </p:txBody>
-      </p:sp>
-      <p:sp>
-        <p:nvSpPr>
-          <p:cNvPr id="3" name="Text 1"/>
+            <a:endParaRPr lang="en-US" sz="3600" dirty="0"/>
+          </a:p>
+        </p:txBody>
+      </p:sp>
+      <p:sp>
+        <p:nvSpPr>
+          <p:cNvPr id="4" name="Text 2"/>
           <p:cNvSpPr/>
           <p:nvPr/>
         </p:nvSpPr>
@@ -3305,7 +3679,7 @@
             <a:r>
               <a:rPr lang="en-US" sz="3600" dirty="0">
                 <a:solidFill>
-                  <a:srgbClr val="000000"/>
+                  <a:srgbClr val="808080"/>
                 </a:solidFill>
               </a:rPr>
               <a:t>flat, level, even, smooth | calm, tranquil, placid, composed, stable | relaxed (sitting posture), comfortable | plateau, ...</a:t>
@@ -3316,32 +3690,32 @@
       </p:sp>
       <p:sp>
         <p:nvSpPr>
-          <p:cNvPr id="4" name="Text 2"/>
-          <p:cNvSpPr/>
-          <p:nvPr/>
-        </p:nvSpPr>
-        <p:spPr>
-          <a:xfrm>
-            <a:off x="0" y="4572000"/>
-            <a:ext cx="7315200" cy="1828800"/>
-          </a:xfrm>
-          <a:prstGeom prst="rect">
-            <a:avLst/>
-          </a:prstGeom>
-          <a:noFill/>
-          <a:ln/>
-        </p:spPr>
-        <p:txBody>
-          <a:bodyPr wrap="square" rtlCol="0" anchor="ctr"/>
-          <a:lstStyle/>
-          <a:p>
-            <a:pPr algn="l" indent="0" marL="0">
+          <p:cNvPr id="5" name="Text 3"/>
+          <p:cNvSpPr/>
+          <p:nvPr/>
+        </p:nvSpPr>
+        <p:spPr>
+          <a:xfrm>
+            <a:off x="0" y="3657600"/>
+            <a:ext cx="8686800" cy="1828800"/>
+          </a:xfrm>
+          <a:prstGeom prst="rect">
+            <a:avLst/>
+          </a:prstGeom>
+          <a:noFill/>
+          <a:ln/>
+        </p:spPr>
+        <p:txBody>
+          <a:bodyPr wrap="square" rtlCol="0" anchor="ctr"/>
+          <a:lstStyle/>
+          <a:p>
+            <a:pPr algn="r" indent="0" marL="0">
               <a:buNone/>
             </a:pPr>
             <a:r>
               <a:rPr lang="en-US" sz="2400" dirty="0">
                 <a:solidFill>
-                  <a:srgbClr val="000000"/>
+                  <a:srgbClr val="808080"/>
                 </a:solidFill>
               </a:rPr>
               <a:t>61-62</a:t>
